--- a/329 - God is My Strong Salvation.pptx
+++ b/329 - God is My Strong Salvation.pptx
@@ -113,10 +113,6 @@
 </p:presentation>
 </file>
 
-<file path=ppt/revisionInfo.xml><?xml version="1.0" encoding="utf-8"?>
-<p1510:revInfo xmlns:a="http://schemas.openxmlformats.org/drawingml/2006/main" xmlns:r="http://schemas.openxmlformats.org/officeDocument/2006/relationships" xmlns:p1510="http://schemas.microsoft.com/office/powerpoint/2015/10/main"/>
-</file>
-
 <file path=ppt/slideLayouts/slideLayout1.xml><?xml version="1.0" encoding="utf-8"?>
 <p:sldLayout xmlns:a="http://schemas.openxmlformats.org/drawingml/2006/main" xmlns:r="http://schemas.openxmlformats.org/officeDocument/2006/relationships" xmlns:p="http://schemas.openxmlformats.org/presentationml/2006/main" type="title" preserve="1">
   <p:cSld name="Title Slide">
@@ -246,7 +242,7 @@
           <a:p>
             <a:fld id="{32F7251A-AE54-443C-B8FE-5F636E835EBF}" type="datetimeFigureOut">
               <a:rPr lang="en-US" smtClean="0"/>
-              <a:t>11/5/2017</a:t>
+              <a:t>8/30/2020</a:t>
             </a:fld>
             <a:endParaRPr lang="en-US"/>
           </a:p>
@@ -414,7 +410,7 @@
           <a:p>
             <a:fld id="{32F7251A-AE54-443C-B8FE-5F636E835EBF}" type="datetimeFigureOut">
               <a:rPr lang="en-US" smtClean="0"/>
-              <a:t>11/5/2017</a:t>
+              <a:t>8/30/2020</a:t>
             </a:fld>
             <a:endParaRPr lang="en-US"/>
           </a:p>
@@ -592,7 +588,7 @@
           <a:p>
             <a:fld id="{32F7251A-AE54-443C-B8FE-5F636E835EBF}" type="datetimeFigureOut">
               <a:rPr lang="en-US" smtClean="0"/>
-              <a:t>11/5/2017</a:t>
+              <a:t>8/30/2020</a:t>
             </a:fld>
             <a:endParaRPr lang="en-US"/>
           </a:p>
@@ -760,7 +756,7 @@
           <a:p>
             <a:fld id="{32F7251A-AE54-443C-B8FE-5F636E835EBF}" type="datetimeFigureOut">
               <a:rPr lang="en-US" smtClean="0"/>
-              <a:t>11/5/2017</a:t>
+              <a:t>8/30/2020</a:t>
             </a:fld>
             <a:endParaRPr lang="en-US"/>
           </a:p>
@@ -1005,7 +1001,7 @@
           <a:p>
             <a:fld id="{32F7251A-AE54-443C-B8FE-5F636E835EBF}" type="datetimeFigureOut">
               <a:rPr lang="en-US" smtClean="0"/>
-              <a:t>11/5/2017</a:t>
+              <a:t>8/30/2020</a:t>
             </a:fld>
             <a:endParaRPr lang="en-US"/>
           </a:p>
@@ -1234,7 +1230,7 @@
           <a:p>
             <a:fld id="{32F7251A-AE54-443C-B8FE-5F636E835EBF}" type="datetimeFigureOut">
               <a:rPr lang="en-US" smtClean="0"/>
-              <a:t>11/5/2017</a:t>
+              <a:t>8/30/2020</a:t>
             </a:fld>
             <a:endParaRPr lang="en-US"/>
           </a:p>
@@ -1598,7 +1594,7 @@
           <a:p>
             <a:fld id="{32F7251A-AE54-443C-B8FE-5F636E835EBF}" type="datetimeFigureOut">
               <a:rPr lang="en-US" smtClean="0"/>
-              <a:t>11/5/2017</a:t>
+              <a:t>8/30/2020</a:t>
             </a:fld>
             <a:endParaRPr lang="en-US"/>
           </a:p>
@@ -1715,7 +1711,7 @@
           <a:p>
             <a:fld id="{32F7251A-AE54-443C-B8FE-5F636E835EBF}" type="datetimeFigureOut">
               <a:rPr lang="en-US" smtClean="0"/>
-              <a:t>11/5/2017</a:t>
+              <a:t>8/30/2020</a:t>
             </a:fld>
             <a:endParaRPr lang="en-US"/>
           </a:p>
@@ -1810,7 +1806,7 @@
           <a:p>
             <a:fld id="{32F7251A-AE54-443C-B8FE-5F636E835EBF}" type="datetimeFigureOut">
               <a:rPr lang="en-US" smtClean="0"/>
-              <a:t>11/5/2017</a:t>
+              <a:t>8/30/2020</a:t>
             </a:fld>
             <a:endParaRPr lang="en-US"/>
           </a:p>
@@ -2085,7 +2081,7 @@
           <a:p>
             <a:fld id="{32F7251A-AE54-443C-B8FE-5F636E835EBF}" type="datetimeFigureOut">
               <a:rPr lang="en-US" smtClean="0"/>
-              <a:t>11/5/2017</a:t>
+              <a:t>8/30/2020</a:t>
             </a:fld>
             <a:endParaRPr lang="en-US"/>
           </a:p>
@@ -2337,7 +2333,7 @@
           <a:p>
             <a:fld id="{32F7251A-AE54-443C-B8FE-5F636E835EBF}" type="datetimeFigureOut">
               <a:rPr lang="en-US" smtClean="0"/>
-              <a:t>11/5/2017</a:t>
+              <a:t>8/30/2020</a:t>
             </a:fld>
             <a:endParaRPr lang="en-US"/>
           </a:p>
@@ -2404,7 +2400,9 @@
     <p:bg>
       <p:bgPr>
         <a:solidFill>
-          <a:srgbClr val="333333"/>
+          <a:schemeClr val="bg1">
+            <a:lumMod val="10000"/>
+          </a:schemeClr>
         </a:solidFill>
         <a:effectLst/>
       </p:bgPr>
@@ -2551,7 +2549,7 @@
           <a:p>
             <a:fld id="{32F7251A-AE54-443C-B8FE-5F636E835EBF}" type="datetimeFigureOut">
               <a:rPr lang="en-US" smtClean="0"/>
-              <a:t>11/5/2017</a:t>
+              <a:t>8/30/2020</a:t>
             </a:fld>
             <a:endParaRPr lang="en-US"/>
           </a:p>
@@ -3021,8 +3019,8 @@
         </p:nvSpPr>
         <p:spPr>
           <a:xfrm>
-            <a:off x="0" y="5804209"/>
-            <a:ext cx="12192000" cy="830997"/>
+            <a:off x="0" y="5927320"/>
+            <a:ext cx="12192000" cy="584775"/>
           </a:xfrm>
           <a:prstGeom prst="rect">
             <a:avLst/>
@@ -3037,10 +3035,12 @@
           <a:p>
             <a:pPr algn="ctr"/>
             <a:r>
-              <a:rPr lang="en-US" sz="4800" dirty="0">
+              <a:rPr lang="en-US" sz="3200" u="sng" dirty="0">
                 <a:solidFill>
                   <a:schemeClr val="bg1"/>
                 </a:solidFill>
+                <a:latin typeface="Assistant SemiBold" panose="00000700000000000000" pitchFamily="2" charset="-79"/>
+                <a:cs typeface="Assistant SemiBold" panose="00000700000000000000" pitchFamily="2" charset="-79"/>
               </a:rPr>
               <a:t>“God is My Strong Salvation”</a:t>
             </a:r>
@@ -3055,8 +3055,8 @@
         </p:nvSpPr>
         <p:spPr>
           <a:xfrm>
-            <a:off x="0" y="255162"/>
-            <a:ext cx="12192000" cy="5632311"/>
+            <a:off x="0" y="678320"/>
+            <a:ext cx="12192000" cy="4524315"/>
           </a:xfrm>
           <a:prstGeom prst="rect">
             <a:avLst/>
@@ -3071,10 +3071,12 @@
           <a:p>
             <a:pPr algn="ctr"/>
             <a:r>
-              <a:rPr lang="en-US" sz="3600" dirty="0">
+              <a:rPr lang="en-US" sz="2800" spc="50" dirty="0">
                 <a:solidFill>
                   <a:schemeClr val="bg1"/>
                 </a:solidFill>
+                <a:latin typeface="Assistant" panose="00000500000000000000" pitchFamily="2" charset="-79"/>
+                <a:cs typeface="Assistant" panose="00000500000000000000" pitchFamily="2" charset="-79"/>
               </a:rPr>
               <a:t>God is my strong salvation;</a:t>
             </a:r>
@@ -3082,10 +3084,12 @@
           <a:p>
             <a:pPr algn="ctr"/>
             <a:r>
-              <a:rPr lang="en-US" sz="3600" dirty="0">
+              <a:rPr lang="en-US" sz="2800" spc="50" dirty="0">
                 <a:solidFill>
                   <a:schemeClr val="bg1"/>
                 </a:solidFill>
+                <a:latin typeface="Assistant" panose="00000500000000000000" pitchFamily="2" charset="-79"/>
+                <a:cs typeface="Assistant" panose="00000500000000000000" pitchFamily="2" charset="-79"/>
               </a:rPr>
               <a:t>What foe have I to fear?</a:t>
             </a:r>
@@ -3093,10 +3097,12 @@
           <a:p>
             <a:pPr algn="ctr"/>
             <a:r>
-              <a:rPr lang="en-US" sz="3600" dirty="0">
+              <a:rPr lang="en-US" sz="2800" spc="50" dirty="0">
                 <a:solidFill>
                   <a:schemeClr val="bg1"/>
                 </a:solidFill>
+                <a:latin typeface="Assistant" panose="00000500000000000000" pitchFamily="2" charset="-79"/>
+                <a:cs typeface="Assistant" panose="00000500000000000000" pitchFamily="2" charset="-79"/>
               </a:rPr>
               <a:t>In darkness and temptation,</a:t>
             </a:r>
@@ -3104,29 +3110,35 @@
           <a:p>
             <a:pPr algn="ctr"/>
             <a:r>
-              <a:rPr lang="en-US" sz="3600" dirty="0">
+              <a:rPr lang="en-US" sz="2800" spc="50" dirty="0">
                 <a:solidFill>
                   <a:schemeClr val="bg1"/>
                 </a:solidFill>
+                <a:latin typeface="Assistant" panose="00000500000000000000" pitchFamily="2" charset="-79"/>
+                <a:cs typeface="Assistant" panose="00000500000000000000" pitchFamily="2" charset="-79"/>
               </a:rPr>
               <a:t>My light, my help is near</a:t>
             </a:r>
           </a:p>
           <a:p>
             <a:pPr algn="ctr"/>
-            <a:endParaRPr lang="en-US" sz="3600" dirty="0">
+            <a:endParaRPr lang="en-US" sz="2800" spc="50" dirty="0">
               <a:solidFill>
                 <a:schemeClr val="bg1"/>
               </a:solidFill>
+              <a:latin typeface="Assistant" panose="00000500000000000000" pitchFamily="2" charset="-79"/>
+              <a:cs typeface="Assistant" panose="00000500000000000000" pitchFamily="2" charset="-79"/>
             </a:endParaRPr>
           </a:p>
           <a:p>
             <a:pPr algn="ctr"/>
             <a:r>
-              <a:rPr lang="en-US" sz="3600" dirty="0">
+              <a:rPr lang="en-US" sz="2800" spc="50" dirty="0">
                 <a:solidFill>
                   <a:schemeClr val="bg1"/>
                 </a:solidFill>
+                <a:latin typeface="Assistant" panose="00000500000000000000" pitchFamily="2" charset="-79"/>
+                <a:cs typeface="Assistant" panose="00000500000000000000" pitchFamily="2" charset="-79"/>
               </a:rPr>
               <a:t>Though hosts encamp around me,</a:t>
             </a:r>
@@ -3134,45 +3146,38 @@
           <a:p>
             <a:pPr algn="ctr"/>
             <a:r>
-              <a:rPr lang="en-US" sz="3600" dirty="0">
+              <a:rPr lang="en-US" sz="2800" spc="50" dirty="0">
                 <a:solidFill>
                   <a:schemeClr val="bg1"/>
                 </a:solidFill>
+                <a:latin typeface="Assistant" panose="00000500000000000000" pitchFamily="2" charset="-79"/>
+                <a:cs typeface="Assistant" panose="00000500000000000000" pitchFamily="2" charset="-79"/>
               </a:rPr>
-              <a:t>Firm to the fight </a:t>
-            </a:r>
-            <a:r>
-              <a:rPr lang="en-US" sz="3600">
+              <a:t>Firm to the fight I stand;</a:t>
+            </a:r>
+          </a:p>
+          <a:p>
+            <a:pPr algn="ctr"/>
+            <a:r>
+              <a:rPr lang="en-US" sz="2800" spc="50" dirty="0">
                 <a:solidFill>
                   <a:schemeClr val="bg1"/>
                 </a:solidFill>
+                <a:latin typeface="Assistant" panose="00000500000000000000" pitchFamily="2" charset="-79"/>
+                <a:cs typeface="Assistant" panose="00000500000000000000" pitchFamily="2" charset="-79"/>
               </a:rPr>
-              <a:t>I stand;</a:t>
-            </a:r>
-            <a:endParaRPr lang="en-US" sz="3600" dirty="0">
-              <a:solidFill>
-                <a:schemeClr val="bg1"/>
-              </a:solidFill>
-            </a:endParaRPr>
+              <a:t>What terror can confound me</a:t>
+            </a:r>
           </a:p>
           <a:p>
             <a:pPr algn="ctr"/>
             <a:r>
-              <a:rPr lang="en-US" sz="3600" dirty="0">
+              <a:rPr lang="en-US" sz="2800" spc="50" dirty="0">
                 <a:solidFill>
                   <a:schemeClr val="bg1"/>
                 </a:solidFill>
-              </a:rPr>
-              <a:t>What terror can confound me</a:t>
-            </a:r>
-          </a:p>
-          <a:p>
-            <a:pPr algn="ctr"/>
-            <a:r>
-              <a:rPr lang="en-US" sz="3600" dirty="0">
-                <a:solidFill>
-                  <a:schemeClr val="bg1"/>
-                </a:solidFill>
+                <a:latin typeface="Assistant" panose="00000500000000000000" pitchFamily="2" charset="-79"/>
+                <a:cs typeface="Assistant" panose="00000500000000000000" pitchFamily="2" charset="-79"/>
               </a:rPr>
               <a:t>With God at my right hand?</a:t>
             </a:r>
@@ -3282,8 +3287,8 @@
         </p:nvSpPr>
         <p:spPr>
           <a:xfrm>
-            <a:off x="0" y="5804209"/>
-            <a:ext cx="12192000" cy="830997"/>
+            <a:off x="0" y="5927320"/>
+            <a:ext cx="12192000" cy="584775"/>
           </a:xfrm>
           <a:prstGeom prst="rect">
             <a:avLst/>
@@ -3298,10 +3303,12 @@
           <a:p>
             <a:pPr algn="ctr"/>
             <a:r>
-              <a:rPr lang="en-US" sz="4800" dirty="0">
+              <a:rPr lang="en-US" sz="3200" u="sng" dirty="0">
                 <a:solidFill>
                   <a:schemeClr val="bg1"/>
                 </a:solidFill>
+                <a:latin typeface="Assistant SemiBold" panose="00000700000000000000" pitchFamily="2" charset="-79"/>
+                <a:cs typeface="Assistant SemiBold" panose="00000700000000000000" pitchFamily="2" charset="-79"/>
               </a:rPr>
               <a:t>“God is My Strong Salvation”</a:t>
             </a:r>
@@ -3316,8 +3323,8 @@
         </p:nvSpPr>
         <p:spPr>
           <a:xfrm>
-            <a:off x="0" y="255162"/>
-            <a:ext cx="12192000" cy="5078313"/>
+            <a:off x="0" y="729571"/>
+            <a:ext cx="12192000" cy="3970318"/>
           </a:xfrm>
           <a:prstGeom prst="rect">
             <a:avLst/>
@@ -3332,10 +3339,12 @@
           <a:p>
             <a:pPr algn="ctr"/>
             <a:r>
-              <a:rPr lang="en-US" sz="3600" dirty="0">
+              <a:rPr lang="en-US" sz="2800" spc="50" dirty="0">
                 <a:solidFill>
                   <a:schemeClr val="bg1"/>
                 </a:solidFill>
+                <a:latin typeface="Assistant" panose="00000500000000000000" pitchFamily="2" charset="-79"/>
+                <a:cs typeface="Assistant" panose="00000500000000000000" pitchFamily="2" charset="-79"/>
               </a:rPr>
               <a:t>Place on the Lord reliance,</a:t>
             </a:r>
@@ -3343,10 +3352,12 @@
           <a:p>
             <a:pPr algn="ctr"/>
             <a:r>
-              <a:rPr lang="en-US" sz="3600" dirty="0">
+              <a:rPr lang="en-US" sz="2800" spc="50" dirty="0">
                 <a:solidFill>
                   <a:schemeClr val="bg1"/>
                 </a:solidFill>
+                <a:latin typeface="Assistant" panose="00000500000000000000" pitchFamily="2" charset="-79"/>
+                <a:cs typeface="Assistant" panose="00000500000000000000" pitchFamily="2" charset="-79"/>
               </a:rPr>
               <a:t>My soul, with courage wait;</a:t>
             </a:r>
@@ -3354,10 +3365,12 @@
           <a:p>
             <a:pPr algn="ctr"/>
             <a:r>
-              <a:rPr lang="en-US" sz="3600" dirty="0">
+              <a:rPr lang="en-US" sz="2800" spc="50" dirty="0">
                 <a:solidFill>
                   <a:schemeClr val="bg1"/>
                 </a:solidFill>
+                <a:latin typeface="Assistant" panose="00000500000000000000" pitchFamily="2" charset="-79"/>
+                <a:cs typeface="Assistant" panose="00000500000000000000" pitchFamily="2" charset="-79"/>
               </a:rPr>
               <a:t>His truth be thine affiance</a:t>
             </a:r>
@@ -3365,29 +3378,35 @@
           <a:p>
             <a:pPr algn="ctr"/>
             <a:r>
-              <a:rPr lang="en-US" sz="3600" dirty="0">
+              <a:rPr lang="en-US" sz="2800" spc="50" dirty="0">
                 <a:solidFill>
                   <a:schemeClr val="bg1"/>
                 </a:solidFill>
+                <a:latin typeface="Assistant" panose="00000500000000000000" pitchFamily="2" charset="-79"/>
+                <a:cs typeface="Assistant" panose="00000500000000000000" pitchFamily="2" charset="-79"/>
               </a:rPr>
               <a:t>When faint and desolate.</a:t>
             </a:r>
           </a:p>
           <a:p>
             <a:pPr algn="ctr"/>
-            <a:endParaRPr lang="en-US" sz="3600" dirty="0">
+            <a:endParaRPr lang="en-US" sz="2800" spc="50" dirty="0">
               <a:solidFill>
                 <a:schemeClr val="bg1"/>
               </a:solidFill>
+              <a:latin typeface="Assistant" panose="00000500000000000000" pitchFamily="2" charset="-79"/>
+              <a:cs typeface="Assistant" panose="00000500000000000000" pitchFamily="2" charset="-79"/>
             </a:endParaRPr>
           </a:p>
           <a:p>
             <a:pPr algn="ctr"/>
             <a:r>
-              <a:rPr lang="en-US" sz="3600" dirty="0">
+              <a:rPr lang="en-US" sz="2800" spc="50" dirty="0">
                 <a:solidFill>
                   <a:schemeClr val="bg1"/>
                 </a:solidFill>
+                <a:latin typeface="Assistant" panose="00000500000000000000" pitchFamily="2" charset="-79"/>
+                <a:cs typeface="Assistant" panose="00000500000000000000" pitchFamily="2" charset="-79"/>
               </a:rPr>
               <a:t>His might thy heart shall strengthen,</a:t>
             </a:r>
@@ -3395,10 +3414,12 @@
           <a:p>
             <a:pPr algn="ctr"/>
             <a:r>
-              <a:rPr lang="en-US" sz="3600" dirty="0">
+              <a:rPr lang="en-US" sz="2800" spc="50" dirty="0">
                 <a:solidFill>
                   <a:schemeClr val="bg1"/>
                 </a:solidFill>
+                <a:latin typeface="Assistant" panose="00000500000000000000" pitchFamily="2" charset="-79"/>
+                <a:cs typeface="Assistant" panose="00000500000000000000" pitchFamily="2" charset="-79"/>
               </a:rPr>
               <a:t>His love thy joy increase;</a:t>
             </a:r>
@@ -3406,10 +3427,12 @@
           <a:p>
             <a:pPr algn="ctr"/>
             <a:r>
-              <a:rPr lang="en-US" sz="3600" dirty="0">
+              <a:rPr lang="en-US" sz="2800" spc="50" dirty="0">
                 <a:solidFill>
                   <a:schemeClr val="bg1"/>
                 </a:solidFill>
+                <a:latin typeface="Assistant" panose="00000500000000000000" pitchFamily="2" charset="-79"/>
+                <a:cs typeface="Assistant" panose="00000500000000000000" pitchFamily="2" charset="-79"/>
               </a:rPr>
               <a:t>Mercy thy days shall lengthen,</a:t>
             </a:r>
@@ -3417,10 +3440,12 @@
           <a:p>
             <a:pPr algn="ctr"/>
             <a:r>
-              <a:rPr lang="en-US" sz="3600" dirty="0">
+              <a:rPr lang="en-US" sz="2800" spc="50" dirty="0">
                 <a:solidFill>
                   <a:schemeClr val="bg1"/>
                 </a:solidFill>
+                <a:latin typeface="Assistant" panose="00000500000000000000" pitchFamily="2" charset="-79"/>
+                <a:cs typeface="Assistant" panose="00000500000000000000" pitchFamily="2" charset="-79"/>
               </a:rPr>
               <a:t>The Lord will give thee peace.</a:t>
             </a:r>
